--- a/Data/Prezentarea Dataset.pptx
+++ b/Data/Prezentarea Dataset.pptx
@@ -6216,10 +6216,10 @@
       </p:sp>
       <p:pic>
         <p:nvPicPr>
-          <p:cNvPr id="9" name="Content Placeholder 8">
+          <p:cNvPr id="11" name="Content Placeholder 10">
             <a:extLst>
               <a:ext uri="{FF2B5EF4-FFF2-40B4-BE49-F238E27FC236}">
-                <a16:creationId xmlns:a16="http://schemas.microsoft.com/office/drawing/2014/main" id="{3DCCEA0D-F5E5-4F6D-82E6-6EADB164408C}"/>
+                <a16:creationId xmlns:a16="http://schemas.microsoft.com/office/drawing/2014/main" id="{52500E79-766F-4F42-957B-B7DF6BB71AD3}"/>
               </a:ext>
             </a:extLst>
           </p:cNvPr>
@@ -6238,8 +6238,8 @@
         </p:blipFill>
         <p:spPr>
           <a:xfrm>
-            <a:off x="3359696" y="1217275"/>
-            <a:ext cx="7086583" cy="5366087"/>
+            <a:off x="4015029" y="1600200"/>
+            <a:ext cx="5903429" cy="4525963"/>
           </a:xfrm>
         </p:spPr>
       </p:pic>
@@ -6549,40 +6549,6 @@
         <p:txBody>
           <a:bodyPr/>
           <a:lstStyle/>
-          <a:p>
-            <a:pPr>
-              <a:lnSpc>
-                <a:spcPct val="90000"/>
-              </a:lnSpc>
-            </a:pPr>
-            <a:r>
-              <a:rPr lang="en-US" sz="3600" dirty="0">
-                <a:solidFill>
-                  <a:srgbClr val="D1D5DB"/>
-                </a:solidFill>
-                <a:latin typeface="Times New Roman" panose="02020603050405020304" pitchFamily="18" charset="0"/>
-                <a:cs typeface="Times New Roman" panose="02020603050405020304" pitchFamily="18" charset="0"/>
-              </a:rPr>
-              <a:t>C</a:t>
-            </a:r>
-            <a:r>
-              <a:rPr lang="ro-MD" sz="3600" dirty="0">
-                <a:solidFill>
-                  <a:srgbClr val="D1D5DB"/>
-                </a:solidFill>
-                <a:latin typeface="Times New Roman" panose="02020603050405020304" pitchFamily="18" charset="0"/>
-                <a:cs typeface="Times New Roman" panose="02020603050405020304" pitchFamily="18" charset="0"/>
-              </a:rPr>
-              <a:t>âți clienți sunt mai mulți m sau f?</a:t>
-            </a:r>
-            <a:endParaRPr lang="ro-RO" sz="3600" dirty="0">
-              <a:solidFill>
-                <a:srgbClr val="D1D5DB"/>
-              </a:solidFill>
-              <a:latin typeface="Times New Roman" panose="02020603050405020304" pitchFamily="18" charset="0"/>
-              <a:cs typeface="Times New Roman" panose="02020603050405020304" pitchFamily="18" charset="0"/>
-            </a:endParaRPr>
-          </a:p>
           <a:p>
             <a:pPr>
               <a:lnSpc>
@@ -7277,8 +7243,8 @@
         </p:blipFill>
         <p:spPr bwMode="auto">
           <a:xfrm>
-            <a:off x="2446866" y="1417638"/>
-            <a:ext cx="9409773" cy="5165724"/>
+            <a:off x="2446866" y="1556792"/>
+            <a:ext cx="9409773" cy="5026570"/>
           </a:xfrm>
           <a:prstGeom prst="rect">
             <a:avLst/>
